--- a/template.pptx
+++ b/template.pptx
@@ -2,10 +2,12 @@
 <file path=ppt/presentation.xml><?xml version="1.0" encoding="utf-8"?>
 <p:presentation xmlns:a="http://schemas.openxmlformats.org/drawingml/2006/main" xmlns:r="http://schemas.openxmlformats.org/officeDocument/2006/relationships" xmlns:p="http://schemas.openxmlformats.org/presentationml/2006/main" saveSubsetFonts="1">
   <p:sldMasterIdLst>
-    <p:sldMasterId id="2147483660" r:id="rId1"/>
+    <p:sldMasterId id="2147483648" r:id="rId1"/>
   </p:sldMasterIdLst>
   <p:sldIdLst>
     <p:sldId id="257" r:id="rId2"/>
+    <p:sldId id="256" r:id="rId3"/>
+    <p:sldId id="258" r:id="rId4"/>
   </p:sldIdLst>
   <p:sldSz cx="12192000" cy="6858000"/>
   <p:notesSz cx="6858000" cy="9144000"/>
@@ -104,6 +106,11 @@
       </a:defRPr>
     </a:lvl9pPr>
   </p:defaultTextStyle>
+  <p:extLst>
+    <p:ext uri="{EFAFB233-063F-42B5-8137-9DF3F51BA10A}">
+      <p15:sldGuideLst xmlns:p15="http://schemas.microsoft.com/office/powerpoint/2012/main"/>
+    </p:ext>
+  </p:extLst>
 </p:presentation>
 </file>
 
@@ -237,23 +244,10 @@
           <a:lstStyle/>
           <a:p>
             <a:fld id="{5BE6168F-DF2C-4856-9C41-9E90819FD046}" type="datetimeFigureOut">
-              <a:rPr lang="de-DE" smtClean="0">
-                <a:solidFill>
-                  <a:prstClr val="black">
-                    <a:tint val="75000"/>
-                  </a:prstClr>
-                </a:solidFill>
-              </a:rPr>
-              <a:pPr/>
+              <a:rPr lang="de-DE" smtClean="0"/>
               <a:t>05.02.2016</a:t>
             </a:fld>
-            <a:endParaRPr lang="de-DE">
-              <a:solidFill>
-                <a:prstClr val="black">
-                  <a:tint val="75000"/>
-                </a:prstClr>
-              </a:solidFill>
-            </a:endParaRPr>
+            <a:endParaRPr lang="de-DE"/>
           </a:p>
         </p:txBody>
       </p:sp>
@@ -272,13 +266,7 @@
           <a:bodyPr/>
           <a:lstStyle/>
           <a:p>
-            <a:endParaRPr lang="de-DE">
-              <a:solidFill>
-                <a:prstClr val="black">
-                  <a:tint val="75000"/>
-                </a:prstClr>
-              </a:solidFill>
-            </a:endParaRPr>
+            <a:endParaRPr lang="de-DE"/>
           </a:p>
         </p:txBody>
       </p:sp>
@@ -298,30 +286,17 @@
           <a:lstStyle/>
           <a:p>
             <a:fld id="{683CC90E-B97E-4485-B065-5622BDD3FD2D}" type="slidenum">
-              <a:rPr lang="de-DE" smtClean="0">
-                <a:solidFill>
-                  <a:prstClr val="black">
-                    <a:tint val="75000"/>
-                  </a:prstClr>
-                </a:solidFill>
-              </a:rPr>
-              <a:pPr/>
+              <a:rPr lang="de-DE" smtClean="0"/>
               <a:t>‹#›</a:t>
             </a:fld>
-            <a:endParaRPr lang="de-DE">
-              <a:solidFill>
-                <a:prstClr val="black">
-                  <a:tint val="75000"/>
-                </a:prstClr>
-              </a:solidFill>
-            </a:endParaRPr>
+            <a:endParaRPr lang="de-DE"/>
           </a:p>
         </p:txBody>
       </p:sp>
     </p:spTree>
     <p:extLst>
       <p:ext uri="{BB962C8B-B14F-4D97-AF65-F5344CB8AC3E}">
-        <p14:creationId xmlns:p14="http://schemas.microsoft.com/office/powerpoint/2010/main" val="10132683"/>
+        <p14:creationId xmlns:p14="http://schemas.microsoft.com/office/powerpoint/2010/main" val="847970651"/>
       </p:ext>
     </p:extLst>
   </p:cSld>
@@ -439,23 +414,10 @@
           <a:lstStyle/>
           <a:p>
             <a:fld id="{5BE6168F-DF2C-4856-9C41-9E90819FD046}" type="datetimeFigureOut">
-              <a:rPr lang="de-DE" smtClean="0">
-                <a:solidFill>
-                  <a:prstClr val="black">
-                    <a:tint val="75000"/>
-                  </a:prstClr>
-                </a:solidFill>
-              </a:rPr>
-              <a:pPr/>
+              <a:rPr lang="de-DE" smtClean="0"/>
               <a:t>05.02.2016</a:t>
             </a:fld>
-            <a:endParaRPr lang="de-DE">
-              <a:solidFill>
-                <a:prstClr val="black">
-                  <a:tint val="75000"/>
-                </a:prstClr>
-              </a:solidFill>
-            </a:endParaRPr>
+            <a:endParaRPr lang="de-DE"/>
           </a:p>
         </p:txBody>
       </p:sp>
@@ -474,13 +436,7 @@
           <a:bodyPr/>
           <a:lstStyle/>
           <a:p>
-            <a:endParaRPr lang="de-DE">
-              <a:solidFill>
-                <a:prstClr val="black">
-                  <a:tint val="75000"/>
-                </a:prstClr>
-              </a:solidFill>
-            </a:endParaRPr>
+            <a:endParaRPr lang="de-DE"/>
           </a:p>
         </p:txBody>
       </p:sp>
@@ -500,30 +456,17 @@
           <a:lstStyle/>
           <a:p>
             <a:fld id="{683CC90E-B97E-4485-B065-5622BDD3FD2D}" type="slidenum">
-              <a:rPr lang="de-DE" smtClean="0">
-                <a:solidFill>
-                  <a:prstClr val="black">
-                    <a:tint val="75000"/>
-                  </a:prstClr>
-                </a:solidFill>
-              </a:rPr>
-              <a:pPr/>
+              <a:rPr lang="de-DE" smtClean="0"/>
               <a:t>‹#›</a:t>
             </a:fld>
-            <a:endParaRPr lang="de-DE">
-              <a:solidFill>
-                <a:prstClr val="black">
-                  <a:tint val="75000"/>
-                </a:prstClr>
-              </a:solidFill>
-            </a:endParaRPr>
+            <a:endParaRPr lang="de-DE"/>
           </a:p>
         </p:txBody>
       </p:sp>
     </p:spTree>
     <p:extLst>
       <p:ext uri="{BB962C8B-B14F-4D97-AF65-F5344CB8AC3E}">
-        <p14:creationId xmlns:p14="http://schemas.microsoft.com/office/powerpoint/2010/main" val="3920289146"/>
+        <p14:creationId xmlns:p14="http://schemas.microsoft.com/office/powerpoint/2010/main" val="4200122380"/>
       </p:ext>
     </p:extLst>
   </p:cSld>
@@ -651,23 +594,10 @@
           <a:lstStyle/>
           <a:p>
             <a:fld id="{5BE6168F-DF2C-4856-9C41-9E90819FD046}" type="datetimeFigureOut">
-              <a:rPr lang="de-DE" smtClean="0">
-                <a:solidFill>
-                  <a:prstClr val="black">
-                    <a:tint val="75000"/>
-                  </a:prstClr>
-                </a:solidFill>
-              </a:rPr>
-              <a:pPr/>
+              <a:rPr lang="de-DE" smtClean="0"/>
               <a:t>05.02.2016</a:t>
             </a:fld>
-            <a:endParaRPr lang="de-DE">
-              <a:solidFill>
-                <a:prstClr val="black">
-                  <a:tint val="75000"/>
-                </a:prstClr>
-              </a:solidFill>
-            </a:endParaRPr>
+            <a:endParaRPr lang="de-DE"/>
           </a:p>
         </p:txBody>
       </p:sp>
@@ -686,13 +616,7 @@
           <a:bodyPr/>
           <a:lstStyle/>
           <a:p>
-            <a:endParaRPr lang="de-DE">
-              <a:solidFill>
-                <a:prstClr val="black">
-                  <a:tint val="75000"/>
-                </a:prstClr>
-              </a:solidFill>
-            </a:endParaRPr>
+            <a:endParaRPr lang="de-DE"/>
           </a:p>
         </p:txBody>
       </p:sp>
@@ -712,30 +636,17 @@
           <a:lstStyle/>
           <a:p>
             <a:fld id="{683CC90E-B97E-4485-B065-5622BDD3FD2D}" type="slidenum">
-              <a:rPr lang="de-DE" smtClean="0">
-                <a:solidFill>
-                  <a:prstClr val="black">
-                    <a:tint val="75000"/>
-                  </a:prstClr>
-                </a:solidFill>
-              </a:rPr>
-              <a:pPr/>
+              <a:rPr lang="de-DE" smtClean="0"/>
               <a:t>‹#›</a:t>
             </a:fld>
-            <a:endParaRPr lang="de-DE">
-              <a:solidFill>
-                <a:prstClr val="black">
-                  <a:tint val="75000"/>
-                </a:prstClr>
-              </a:solidFill>
-            </a:endParaRPr>
+            <a:endParaRPr lang="de-DE"/>
           </a:p>
         </p:txBody>
       </p:sp>
     </p:spTree>
     <p:extLst>
       <p:ext uri="{BB962C8B-B14F-4D97-AF65-F5344CB8AC3E}">
-        <p14:creationId xmlns:p14="http://schemas.microsoft.com/office/powerpoint/2010/main" val="491579663"/>
+        <p14:creationId xmlns:p14="http://schemas.microsoft.com/office/powerpoint/2010/main" val="40135280"/>
       </p:ext>
     </p:extLst>
   </p:cSld>
@@ -853,23 +764,10 @@
           <a:lstStyle/>
           <a:p>
             <a:fld id="{5BE6168F-DF2C-4856-9C41-9E90819FD046}" type="datetimeFigureOut">
-              <a:rPr lang="de-DE" smtClean="0">
-                <a:solidFill>
-                  <a:prstClr val="black">
-                    <a:tint val="75000"/>
-                  </a:prstClr>
-                </a:solidFill>
-              </a:rPr>
-              <a:pPr/>
+              <a:rPr lang="de-DE" smtClean="0"/>
               <a:t>05.02.2016</a:t>
             </a:fld>
-            <a:endParaRPr lang="de-DE">
-              <a:solidFill>
-                <a:prstClr val="black">
-                  <a:tint val="75000"/>
-                </a:prstClr>
-              </a:solidFill>
-            </a:endParaRPr>
+            <a:endParaRPr lang="de-DE"/>
           </a:p>
         </p:txBody>
       </p:sp>
@@ -888,13 +786,7 @@
           <a:bodyPr/>
           <a:lstStyle/>
           <a:p>
-            <a:endParaRPr lang="de-DE">
-              <a:solidFill>
-                <a:prstClr val="black">
-                  <a:tint val="75000"/>
-                </a:prstClr>
-              </a:solidFill>
-            </a:endParaRPr>
+            <a:endParaRPr lang="de-DE"/>
           </a:p>
         </p:txBody>
       </p:sp>
@@ -914,30 +806,17 @@
           <a:lstStyle/>
           <a:p>
             <a:fld id="{683CC90E-B97E-4485-B065-5622BDD3FD2D}" type="slidenum">
-              <a:rPr lang="de-DE" smtClean="0">
-                <a:solidFill>
-                  <a:prstClr val="black">
-                    <a:tint val="75000"/>
-                  </a:prstClr>
-                </a:solidFill>
-              </a:rPr>
-              <a:pPr/>
+              <a:rPr lang="de-DE" smtClean="0"/>
               <a:t>‹#›</a:t>
             </a:fld>
-            <a:endParaRPr lang="de-DE">
-              <a:solidFill>
-                <a:prstClr val="black">
-                  <a:tint val="75000"/>
-                </a:prstClr>
-              </a:solidFill>
-            </a:endParaRPr>
+            <a:endParaRPr lang="de-DE"/>
           </a:p>
         </p:txBody>
       </p:sp>
     </p:spTree>
     <p:extLst>
       <p:ext uri="{BB962C8B-B14F-4D97-AF65-F5344CB8AC3E}">
-        <p14:creationId xmlns:p14="http://schemas.microsoft.com/office/powerpoint/2010/main" val="131533279"/>
+        <p14:creationId xmlns:p14="http://schemas.microsoft.com/office/powerpoint/2010/main" val="2608493682"/>
       </p:ext>
     </p:extLst>
   </p:cSld>
@@ -1131,23 +1010,10 @@
           <a:lstStyle/>
           <a:p>
             <a:fld id="{5BE6168F-DF2C-4856-9C41-9E90819FD046}" type="datetimeFigureOut">
-              <a:rPr lang="de-DE" smtClean="0">
-                <a:solidFill>
-                  <a:prstClr val="black">
-                    <a:tint val="75000"/>
-                  </a:prstClr>
-                </a:solidFill>
-              </a:rPr>
-              <a:pPr/>
+              <a:rPr lang="de-DE" smtClean="0"/>
               <a:t>05.02.2016</a:t>
             </a:fld>
-            <a:endParaRPr lang="de-DE">
-              <a:solidFill>
-                <a:prstClr val="black">
-                  <a:tint val="75000"/>
-                </a:prstClr>
-              </a:solidFill>
-            </a:endParaRPr>
+            <a:endParaRPr lang="de-DE"/>
           </a:p>
         </p:txBody>
       </p:sp>
@@ -1166,13 +1032,7 @@
           <a:bodyPr/>
           <a:lstStyle/>
           <a:p>
-            <a:endParaRPr lang="de-DE">
-              <a:solidFill>
-                <a:prstClr val="black">
-                  <a:tint val="75000"/>
-                </a:prstClr>
-              </a:solidFill>
-            </a:endParaRPr>
+            <a:endParaRPr lang="de-DE"/>
           </a:p>
         </p:txBody>
       </p:sp>
@@ -1192,30 +1052,17 @@
           <a:lstStyle/>
           <a:p>
             <a:fld id="{683CC90E-B97E-4485-B065-5622BDD3FD2D}" type="slidenum">
-              <a:rPr lang="de-DE" smtClean="0">
-                <a:solidFill>
-                  <a:prstClr val="black">
-                    <a:tint val="75000"/>
-                  </a:prstClr>
-                </a:solidFill>
-              </a:rPr>
-              <a:pPr/>
+              <a:rPr lang="de-DE" smtClean="0"/>
               <a:t>‹#›</a:t>
             </a:fld>
-            <a:endParaRPr lang="de-DE">
-              <a:solidFill>
-                <a:prstClr val="black">
-                  <a:tint val="75000"/>
-                </a:prstClr>
-              </a:solidFill>
-            </a:endParaRPr>
+            <a:endParaRPr lang="de-DE"/>
           </a:p>
         </p:txBody>
       </p:sp>
     </p:spTree>
     <p:extLst>
       <p:ext uri="{BB962C8B-B14F-4D97-AF65-F5344CB8AC3E}">
-        <p14:creationId xmlns:p14="http://schemas.microsoft.com/office/powerpoint/2010/main" val="2287216113"/>
+        <p14:creationId xmlns:p14="http://schemas.microsoft.com/office/powerpoint/2010/main" val="2008350255"/>
       </p:ext>
     </p:extLst>
   </p:cSld>
@@ -1395,23 +1242,10 @@
           <a:lstStyle/>
           <a:p>
             <a:fld id="{5BE6168F-DF2C-4856-9C41-9E90819FD046}" type="datetimeFigureOut">
-              <a:rPr lang="de-DE" smtClean="0">
-                <a:solidFill>
-                  <a:prstClr val="black">
-                    <a:tint val="75000"/>
-                  </a:prstClr>
-                </a:solidFill>
-              </a:rPr>
-              <a:pPr/>
+              <a:rPr lang="de-DE" smtClean="0"/>
               <a:t>05.02.2016</a:t>
             </a:fld>
-            <a:endParaRPr lang="de-DE">
-              <a:solidFill>
-                <a:prstClr val="black">
-                  <a:tint val="75000"/>
-                </a:prstClr>
-              </a:solidFill>
-            </a:endParaRPr>
+            <a:endParaRPr lang="de-DE"/>
           </a:p>
         </p:txBody>
       </p:sp>
@@ -1430,13 +1264,7 @@
           <a:bodyPr/>
           <a:lstStyle/>
           <a:p>
-            <a:endParaRPr lang="de-DE">
-              <a:solidFill>
-                <a:prstClr val="black">
-                  <a:tint val="75000"/>
-                </a:prstClr>
-              </a:solidFill>
-            </a:endParaRPr>
+            <a:endParaRPr lang="de-DE"/>
           </a:p>
         </p:txBody>
       </p:sp>
@@ -1456,30 +1284,17 @@
           <a:lstStyle/>
           <a:p>
             <a:fld id="{683CC90E-B97E-4485-B065-5622BDD3FD2D}" type="slidenum">
-              <a:rPr lang="de-DE" smtClean="0">
-                <a:solidFill>
-                  <a:prstClr val="black">
-                    <a:tint val="75000"/>
-                  </a:prstClr>
-                </a:solidFill>
-              </a:rPr>
-              <a:pPr/>
+              <a:rPr lang="de-DE" smtClean="0"/>
               <a:t>‹#›</a:t>
             </a:fld>
-            <a:endParaRPr lang="de-DE">
-              <a:solidFill>
-                <a:prstClr val="black">
-                  <a:tint val="75000"/>
-                </a:prstClr>
-              </a:solidFill>
-            </a:endParaRPr>
+            <a:endParaRPr lang="de-DE"/>
           </a:p>
         </p:txBody>
       </p:sp>
     </p:spTree>
     <p:extLst>
       <p:ext uri="{BB962C8B-B14F-4D97-AF65-F5344CB8AC3E}">
-        <p14:creationId xmlns:p14="http://schemas.microsoft.com/office/powerpoint/2010/main" val="2010088339"/>
+        <p14:creationId xmlns:p14="http://schemas.microsoft.com/office/powerpoint/2010/main" val="1259896013"/>
       </p:ext>
     </p:extLst>
   </p:cSld>
@@ -1794,23 +1609,10 @@
           <a:lstStyle/>
           <a:p>
             <a:fld id="{5BE6168F-DF2C-4856-9C41-9E90819FD046}" type="datetimeFigureOut">
-              <a:rPr lang="de-DE" smtClean="0">
-                <a:solidFill>
-                  <a:prstClr val="black">
-                    <a:tint val="75000"/>
-                  </a:prstClr>
-                </a:solidFill>
-              </a:rPr>
-              <a:pPr/>
+              <a:rPr lang="de-DE" smtClean="0"/>
               <a:t>05.02.2016</a:t>
             </a:fld>
-            <a:endParaRPr lang="de-DE">
-              <a:solidFill>
-                <a:prstClr val="black">
-                  <a:tint val="75000"/>
-                </a:prstClr>
-              </a:solidFill>
-            </a:endParaRPr>
+            <a:endParaRPr lang="de-DE"/>
           </a:p>
         </p:txBody>
       </p:sp>
@@ -1829,13 +1631,7 @@
           <a:bodyPr/>
           <a:lstStyle/>
           <a:p>
-            <a:endParaRPr lang="de-DE">
-              <a:solidFill>
-                <a:prstClr val="black">
-                  <a:tint val="75000"/>
-                </a:prstClr>
-              </a:solidFill>
-            </a:endParaRPr>
+            <a:endParaRPr lang="de-DE"/>
           </a:p>
         </p:txBody>
       </p:sp>
@@ -1855,30 +1651,17 @@
           <a:lstStyle/>
           <a:p>
             <a:fld id="{683CC90E-B97E-4485-B065-5622BDD3FD2D}" type="slidenum">
-              <a:rPr lang="de-DE" smtClean="0">
-                <a:solidFill>
-                  <a:prstClr val="black">
-                    <a:tint val="75000"/>
-                  </a:prstClr>
-                </a:solidFill>
-              </a:rPr>
-              <a:pPr/>
+              <a:rPr lang="de-DE" smtClean="0"/>
               <a:t>‹#›</a:t>
             </a:fld>
-            <a:endParaRPr lang="de-DE">
-              <a:solidFill>
-                <a:prstClr val="black">
-                  <a:tint val="75000"/>
-                </a:prstClr>
-              </a:solidFill>
-            </a:endParaRPr>
+            <a:endParaRPr lang="de-DE"/>
           </a:p>
         </p:txBody>
       </p:sp>
     </p:spTree>
     <p:extLst>
       <p:ext uri="{BB962C8B-B14F-4D97-AF65-F5344CB8AC3E}">
-        <p14:creationId xmlns:p14="http://schemas.microsoft.com/office/powerpoint/2010/main" val="1258805833"/>
+        <p14:creationId xmlns:p14="http://schemas.microsoft.com/office/powerpoint/2010/main" val="596924060"/>
       </p:ext>
     </p:extLst>
   </p:cSld>
@@ -1944,23 +1727,10 @@
           <a:lstStyle/>
           <a:p>
             <a:fld id="{5BE6168F-DF2C-4856-9C41-9E90819FD046}" type="datetimeFigureOut">
-              <a:rPr lang="de-DE" smtClean="0">
-                <a:solidFill>
-                  <a:prstClr val="black">
-                    <a:tint val="75000"/>
-                  </a:prstClr>
-                </a:solidFill>
-              </a:rPr>
-              <a:pPr/>
+              <a:rPr lang="de-DE" smtClean="0"/>
               <a:t>05.02.2016</a:t>
             </a:fld>
-            <a:endParaRPr lang="de-DE">
-              <a:solidFill>
-                <a:prstClr val="black">
-                  <a:tint val="75000"/>
-                </a:prstClr>
-              </a:solidFill>
-            </a:endParaRPr>
+            <a:endParaRPr lang="de-DE"/>
           </a:p>
         </p:txBody>
       </p:sp>
@@ -1979,13 +1749,7 @@
           <a:bodyPr/>
           <a:lstStyle/>
           <a:p>
-            <a:endParaRPr lang="de-DE">
-              <a:solidFill>
-                <a:prstClr val="black">
-                  <a:tint val="75000"/>
-                </a:prstClr>
-              </a:solidFill>
-            </a:endParaRPr>
+            <a:endParaRPr lang="de-DE"/>
           </a:p>
         </p:txBody>
       </p:sp>
@@ -2005,30 +1769,17 @@
           <a:lstStyle/>
           <a:p>
             <a:fld id="{683CC90E-B97E-4485-B065-5622BDD3FD2D}" type="slidenum">
-              <a:rPr lang="de-DE" smtClean="0">
-                <a:solidFill>
-                  <a:prstClr val="black">
-                    <a:tint val="75000"/>
-                  </a:prstClr>
-                </a:solidFill>
-              </a:rPr>
-              <a:pPr/>
+              <a:rPr lang="de-DE" smtClean="0"/>
               <a:t>‹#›</a:t>
             </a:fld>
-            <a:endParaRPr lang="de-DE">
-              <a:solidFill>
-                <a:prstClr val="black">
-                  <a:tint val="75000"/>
-                </a:prstClr>
-              </a:solidFill>
-            </a:endParaRPr>
+            <a:endParaRPr lang="de-DE"/>
           </a:p>
         </p:txBody>
       </p:sp>
     </p:spTree>
     <p:extLst>
       <p:ext uri="{BB962C8B-B14F-4D97-AF65-F5344CB8AC3E}">
-        <p14:creationId xmlns:p14="http://schemas.microsoft.com/office/powerpoint/2010/main" val="2837048130"/>
+        <p14:creationId xmlns:p14="http://schemas.microsoft.com/office/powerpoint/2010/main" val="1194346907"/>
       </p:ext>
     </p:extLst>
   </p:cSld>
@@ -2071,23 +1822,10 @@
           <a:lstStyle/>
           <a:p>
             <a:fld id="{5BE6168F-DF2C-4856-9C41-9E90819FD046}" type="datetimeFigureOut">
-              <a:rPr lang="de-DE" smtClean="0">
-                <a:solidFill>
-                  <a:prstClr val="black">
-                    <a:tint val="75000"/>
-                  </a:prstClr>
-                </a:solidFill>
-              </a:rPr>
-              <a:pPr/>
+              <a:rPr lang="de-DE" smtClean="0"/>
               <a:t>05.02.2016</a:t>
             </a:fld>
-            <a:endParaRPr lang="de-DE">
-              <a:solidFill>
-                <a:prstClr val="black">
-                  <a:tint val="75000"/>
-                </a:prstClr>
-              </a:solidFill>
-            </a:endParaRPr>
+            <a:endParaRPr lang="de-DE"/>
           </a:p>
         </p:txBody>
       </p:sp>
@@ -2106,13 +1844,7 @@
           <a:bodyPr/>
           <a:lstStyle/>
           <a:p>
-            <a:endParaRPr lang="de-DE">
-              <a:solidFill>
-                <a:prstClr val="black">
-                  <a:tint val="75000"/>
-                </a:prstClr>
-              </a:solidFill>
-            </a:endParaRPr>
+            <a:endParaRPr lang="de-DE"/>
           </a:p>
         </p:txBody>
       </p:sp>
@@ -2132,30 +1864,17 @@
           <a:lstStyle/>
           <a:p>
             <a:fld id="{683CC90E-B97E-4485-B065-5622BDD3FD2D}" type="slidenum">
-              <a:rPr lang="de-DE" smtClean="0">
-                <a:solidFill>
-                  <a:prstClr val="black">
-                    <a:tint val="75000"/>
-                  </a:prstClr>
-                </a:solidFill>
-              </a:rPr>
-              <a:pPr/>
+              <a:rPr lang="de-DE" smtClean="0"/>
               <a:t>‹#›</a:t>
             </a:fld>
-            <a:endParaRPr lang="de-DE">
-              <a:solidFill>
-                <a:prstClr val="black">
-                  <a:tint val="75000"/>
-                </a:prstClr>
-              </a:solidFill>
-            </a:endParaRPr>
+            <a:endParaRPr lang="de-DE"/>
           </a:p>
         </p:txBody>
       </p:sp>
     </p:spTree>
     <p:extLst>
       <p:ext uri="{BB962C8B-B14F-4D97-AF65-F5344CB8AC3E}">
-        <p14:creationId xmlns:p14="http://schemas.microsoft.com/office/powerpoint/2010/main" val="2403865233"/>
+        <p14:creationId xmlns:p14="http://schemas.microsoft.com/office/powerpoint/2010/main" val="1377689087"/>
       </p:ext>
     </p:extLst>
   </p:cSld>
@@ -2380,23 +2099,10 @@
           <a:lstStyle/>
           <a:p>
             <a:fld id="{5BE6168F-DF2C-4856-9C41-9E90819FD046}" type="datetimeFigureOut">
-              <a:rPr lang="de-DE" smtClean="0">
-                <a:solidFill>
-                  <a:prstClr val="black">
-                    <a:tint val="75000"/>
-                  </a:prstClr>
-                </a:solidFill>
-              </a:rPr>
-              <a:pPr/>
+              <a:rPr lang="de-DE" smtClean="0"/>
               <a:t>05.02.2016</a:t>
             </a:fld>
-            <a:endParaRPr lang="de-DE">
-              <a:solidFill>
-                <a:prstClr val="black">
-                  <a:tint val="75000"/>
-                </a:prstClr>
-              </a:solidFill>
-            </a:endParaRPr>
+            <a:endParaRPr lang="de-DE"/>
           </a:p>
         </p:txBody>
       </p:sp>
@@ -2415,13 +2121,7 @@
           <a:bodyPr/>
           <a:lstStyle/>
           <a:p>
-            <a:endParaRPr lang="de-DE">
-              <a:solidFill>
-                <a:prstClr val="black">
-                  <a:tint val="75000"/>
-                </a:prstClr>
-              </a:solidFill>
-            </a:endParaRPr>
+            <a:endParaRPr lang="de-DE"/>
           </a:p>
         </p:txBody>
       </p:sp>
@@ -2441,30 +2141,17 @@
           <a:lstStyle/>
           <a:p>
             <a:fld id="{683CC90E-B97E-4485-B065-5622BDD3FD2D}" type="slidenum">
-              <a:rPr lang="de-DE" smtClean="0">
-                <a:solidFill>
-                  <a:prstClr val="black">
-                    <a:tint val="75000"/>
-                  </a:prstClr>
-                </a:solidFill>
-              </a:rPr>
-              <a:pPr/>
+              <a:rPr lang="de-DE" smtClean="0"/>
               <a:t>‹#›</a:t>
             </a:fld>
-            <a:endParaRPr lang="de-DE">
-              <a:solidFill>
-                <a:prstClr val="black">
-                  <a:tint val="75000"/>
-                </a:prstClr>
-              </a:solidFill>
-            </a:endParaRPr>
+            <a:endParaRPr lang="de-DE"/>
           </a:p>
         </p:txBody>
       </p:sp>
     </p:spTree>
     <p:extLst>
       <p:ext uri="{BB962C8B-B14F-4D97-AF65-F5344CB8AC3E}">
-        <p14:creationId xmlns:p14="http://schemas.microsoft.com/office/powerpoint/2010/main" val="1143815608"/>
+        <p14:creationId xmlns:p14="http://schemas.microsoft.com/office/powerpoint/2010/main" val="268060803"/>
       </p:ext>
     </p:extLst>
   </p:cSld>
@@ -2665,23 +2352,10 @@
           <a:lstStyle/>
           <a:p>
             <a:fld id="{5BE6168F-DF2C-4856-9C41-9E90819FD046}" type="datetimeFigureOut">
-              <a:rPr lang="de-DE" smtClean="0">
-                <a:solidFill>
-                  <a:prstClr val="black">
-                    <a:tint val="75000"/>
-                  </a:prstClr>
-                </a:solidFill>
-              </a:rPr>
-              <a:pPr/>
+              <a:rPr lang="de-DE" smtClean="0"/>
               <a:t>05.02.2016</a:t>
             </a:fld>
-            <a:endParaRPr lang="de-DE">
-              <a:solidFill>
-                <a:prstClr val="black">
-                  <a:tint val="75000"/>
-                </a:prstClr>
-              </a:solidFill>
-            </a:endParaRPr>
+            <a:endParaRPr lang="de-DE"/>
           </a:p>
         </p:txBody>
       </p:sp>
@@ -2700,13 +2374,7 @@
           <a:bodyPr/>
           <a:lstStyle/>
           <a:p>
-            <a:endParaRPr lang="de-DE">
-              <a:solidFill>
-                <a:prstClr val="black">
-                  <a:tint val="75000"/>
-                </a:prstClr>
-              </a:solidFill>
-            </a:endParaRPr>
+            <a:endParaRPr lang="de-DE"/>
           </a:p>
         </p:txBody>
       </p:sp>
@@ -2726,30 +2394,17 @@
           <a:lstStyle/>
           <a:p>
             <a:fld id="{683CC90E-B97E-4485-B065-5622BDD3FD2D}" type="slidenum">
-              <a:rPr lang="de-DE" smtClean="0">
-                <a:solidFill>
-                  <a:prstClr val="black">
-                    <a:tint val="75000"/>
-                  </a:prstClr>
-                </a:solidFill>
-              </a:rPr>
-              <a:pPr/>
+              <a:rPr lang="de-DE" smtClean="0"/>
               <a:t>‹#›</a:t>
             </a:fld>
-            <a:endParaRPr lang="de-DE">
-              <a:solidFill>
-                <a:prstClr val="black">
-                  <a:tint val="75000"/>
-                </a:prstClr>
-              </a:solidFill>
-            </a:endParaRPr>
+            <a:endParaRPr lang="de-DE"/>
           </a:p>
         </p:txBody>
       </p:sp>
     </p:spTree>
     <p:extLst>
       <p:ext uri="{BB962C8B-B14F-4D97-AF65-F5344CB8AC3E}">
-        <p14:creationId xmlns:p14="http://schemas.microsoft.com/office/powerpoint/2010/main" val="2975442123"/>
+        <p14:creationId xmlns:p14="http://schemas.microsoft.com/office/powerpoint/2010/main" val="417346788"/>
       </p:ext>
     </p:extLst>
   </p:cSld>
@@ -2910,23 +2565,10 @@
           </a:lstStyle>
           <a:p>
             <a:fld id="{5BE6168F-DF2C-4856-9C41-9E90819FD046}" type="datetimeFigureOut">
-              <a:rPr lang="de-DE" smtClean="0">
-                <a:solidFill>
-                  <a:prstClr val="black">
-                    <a:tint val="75000"/>
-                  </a:prstClr>
-                </a:solidFill>
-              </a:rPr>
-              <a:pPr/>
+              <a:rPr lang="de-DE" smtClean="0"/>
               <a:t>05.02.2016</a:t>
             </a:fld>
-            <a:endParaRPr lang="de-DE">
-              <a:solidFill>
-                <a:prstClr val="black">
-                  <a:tint val="75000"/>
-                </a:prstClr>
-              </a:solidFill>
-            </a:endParaRPr>
+            <a:endParaRPr lang="de-DE"/>
           </a:p>
         </p:txBody>
       </p:sp>
@@ -2963,13 +2605,7 @@
             </a:lvl1pPr>
           </a:lstStyle>
           <a:p>
-            <a:endParaRPr lang="de-DE">
-              <a:solidFill>
-                <a:prstClr val="black">
-                  <a:tint val="75000"/>
-                </a:prstClr>
-              </a:solidFill>
-            </a:endParaRPr>
+            <a:endParaRPr lang="de-DE"/>
           </a:p>
         </p:txBody>
       </p:sp>
@@ -3007,46 +2643,33 @@
           </a:lstStyle>
           <a:p>
             <a:fld id="{683CC90E-B97E-4485-B065-5622BDD3FD2D}" type="slidenum">
-              <a:rPr lang="de-DE" smtClean="0">
-                <a:solidFill>
-                  <a:prstClr val="black">
-                    <a:tint val="75000"/>
-                  </a:prstClr>
-                </a:solidFill>
-              </a:rPr>
-              <a:pPr/>
+              <a:rPr lang="de-DE" smtClean="0"/>
               <a:t>‹#›</a:t>
             </a:fld>
-            <a:endParaRPr lang="de-DE">
-              <a:solidFill>
-                <a:prstClr val="black">
-                  <a:tint val="75000"/>
-                </a:prstClr>
-              </a:solidFill>
-            </a:endParaRPr>
+            <a:endParaRPr lang="de-DE"/>
           </a:p>
         </p:txBody>
       </p:sp>
     </p:spTree>
     <p:extLst>
       <p:ext uri="{BB962C8B-B14F-4D97-AF65-F5344CB8AC3E}">
-        <p14:creationId xmlns:p14="http://schemas.microsoft.com/office/powerpoint/2010/main" val="322376485"/>
+        <p14:creationId xmlns:p14="http://schemas.microsoft.com/office/powerpoint/2010/main" val="766284799"/>
       </p:ext>
     </p:extLst>
   </p:cSld>
   <p:clrMap bg1="lt1" tx1="dk1" bg2="lt2" tx2="dk2" accent1="accent1" accent2="accent2" accent3="accent3" accent4="accent4" accent5="accent5" accent6="accent6" hlink="hlink" folHlink="folHlink"/>
   <p:sldLayoutIdLst>
-    <p:sldLayoutId id="2147483661" r:id="rId1"/>
-    <p:sldLayoutId id="2147483662" r:id="rId2"/>
-    <p:sldLayoutId id="2147483663" r:id="rId3"/>
-    <p:sldLayoutId id="2147483664" r:id="rId4"/>
-    <p:sldLayoutId id="2147483665" r:id="rId5"/>
-    <p:sldLayoutId id="2147483666" r:id="rId6"/>
-    <p:sldLayoutId id="2147483667" r:id="rId7"/>
-    <p:sldLayoutId id="2147483668" r:id="rId8"/>
-    <p:sldLayoutId id="2147483669" r:id="rId9"/>
-    <p:sldLayoutId id="2147483670" r:id="rId10"/>
-    <p:sldLayoutId id="2147483671" r:id="rId11"/>
+    <p:sldLayoutId id="2147483649" r:id="rId1"/>
+    <p:sldLayoutId id="2147483650" r:id="rId2"/>
+    <p:sldLayoutId id="2147483651" r:id="rId3"/>
+    <p:sldLayoutId id="2147483652" r:id="rId4"/>
+    <p:sldLayoutId id="2147483653" r:id="rId5"/>
+    <p:sldLayoutId id="2147483654" r:id="rId6"/>
+    <p:sldLayoutId id="2147483655" r:id="rId7"/>
+    <p:sldLayoutId id="2147483656" r:id="rId8"/>
+    <p:sldLayoutId id="2147483657" r:id="rId9"/>
+    <p:sldLayoutId id="2147483658" r:id="rId10"/>
+    <p:sldLayoutId id="2147483659" r:id="rId11"/>
   </p:sldLayoutIdLst>
   <p:txStyles>
     <p:titleStyle>
@@ -3390,15 +3013,15 @@
           <a:p>
             <a:pPr algn="ctr"/>
             <a:r>
-              <a:rPr lang="de-DE" i="1" smtClean="0">
+              <a:rPr lang="en-US" i="1" dirty="0" smtClean="0">
                 <a:solidFill>
                   <a:schemeClr val="tx1">
                     <a:lumMod val="65000"/>
                     <a:lumOff val="35000"/>
                   </a:schemeClr>
                 </a:solidFill>
-                <a:latin typeface="Verdana" panose="020B0604030504040204" pitchFamily="34" charset="0"/>
-                <a:ea typeface="Verdana" panose="020B0604030504040204" pitchFamily="34" charset="0"/>
+                <a:latin typeface="Fira Sans" panose="020B0503050000020004" pitchFamily="34" charset="0"/>
+                <a:ea typeface="Fira Sans" panose="020B0503050000020004" pitchFamily="34" charset="0"/>
                 <a:cs typeface="Verdana" panose="020B0604030504040204" pitchFamily="34" charset="0"/>
               </a:rPr>
               <a:t>TITLE</a:t>
@@ -3410,8 +3033,8 @@
                   <a:lumOff val="35000"/>
                 </a:schemeClr>
               </a:solidFill>
-              <a:latin typeface="Verdana" panose="020B0604030504040204" pitchFamily="34" charset="0"/>
-              <a:ea typeface="Verdana" panose="020B0604030504040204" pitchFamily="34" charset="0"/>
+              <a:latin typeface="Fira Sans" panose="020B0503050000020004" pitchFamily="34" charset="0"/>
+              <a:ea typeface="Fira Sans" panose="020B0503050000020004" pitchFamily="34" charset="0"/>
               <a:cs typeface="Verdana" panose="020B0604030504040204" pitchFamily="34" charset="0"/>
             </a:endParaRPr>
           </a:p>
@@ -3441,28 +3064,28 @@
           <a:p>
             <a:pPr algn="r"/>
             <a:r>
-              <a:rPr lang="de-DE" sz="800" i="1" dirty="0">
+              <a:rPr lang="de-DE" sz="800" i="1" dirty="0" smtClean="0">
                 <a:solidFill>
-                  <a:prstClr val="black">
+                  <a:schemeClr val="tx1">
                     <a:lumMod val="50000"/>
                     <a:lumOff val="50000"/>
-                  </a:prstClr>
+                  </a:schemeClr>
                 </a:solidFill>
-                <a:latin typeface="Verdana" panose="020B0604030504040204" pitchFamily="34" charset="0"/>
-                <a:ea typeface="Verdana" panose="020B0604030504040204" pitchFamily="34" charset="0"/>
+                <a:latin typeface="Fira Sans" panose="020B0503050000020004" pitchFamily="34" charset="0"/>
+                <a:ea typeface="Fira Sans" panose="020B0503050000020004" pitchFamily="34" charset="0"/>
                 <a:cs typeface="Verdana" panose="020B0604030504040204" pitchFamily="34" charset="0"/>
               </a:rPr>
               <a:t>CHARLOTTE ZEEB</a:t>
             </a:r>
             <a:endParaRPr lang="de-DE" sz="800" i="1" dirty="0">
               <a:solidFill>
-                <a:prstClr val="black">
+                <a:schemeClr val="tx1">
                   <a:lumMod val="50000"/>
                   <a:lumOff val="50000"/>
-                </a:prstClr>
+                </a:schemeClr>
               </a:solidFill>
-              <a:latin typeface="Verdana" panose="020B0604030504040204" pitchFamily="34" charset="0"/>
-              <a:ea typeface="Verdana" panose="020B0604030504040204" pitchFamily="34" charset="0"/>
+              <a:latin typeface="Fira Sans" panose="020B0503050000020004" pitchFamily="34" charset="0"/>
+              <a:ea typeface="Fira Sans" panose="020B0503050000020004" pitchFamily="34" charset="0"/>
               <a:cs typeface="Verdana" panose="020B0604030504040204" pitchFamily="34" charset="0"/>
             </a:endParaRPr>
           </a:p>
@@ -3471,7 +3094,502 @@
     </p:spTree>
     <p:extLst>
       <p:ext uri="{BB962C8B-B14F-4D97-AF65-F5344CB8AC3E}">
-        <p14:creationId xmlns:p14="http://schemas.microsoft.com/office/powerpoint/2010/main" val="670519997"/>
+        <p14:creationId xmlns:p14="http://schemas.microsoft.com/office/powerpoint/2010/main" val="438779809"/>
+      </p:ext>
+    </p:extLst>
+  </p:cSld>
+  <p:clrMapOvr>
+    <a:masterClrMapping/>
+  </p:clrMapOvr>
+  <p:timing>
+    <p:tnLst>
+      <p:par>
+        <p:cTn id="1" dur="indefinite" restart="never" nodeType="tmRoot"/>
+      </p:par>
+    </p:tnLst>
+  </p:timing>
+</p:sld>
+</file>
+
+<file path=ppt/slides/slide2.xml><?xml version="1.0" encoding="utf-8"?>
+<p:sld xmlns:a="http://schemas.openxmlformats.org/drawingml/2006/main" xmlns:r="http://schemas.openxmlformats.org/officeDocument/2006/relationships" xmlns:p="http://schemas.openxmlformats.org/presentationml/2006/main">
+  <p:cSld>
+    <p:bg>
+      <p:bgPr>
+        <a:gradFill flip="none" rotWithShape="1">
+          <a:gsLst>
+            <a:gs pos="0">
+              <a:schemeClr val="accent3">
+                <a:lumMod val="5000"/>
+                <a:lumOff val="95000"/>
+              </a:schemeClr>
+            </a:gs>
+            <a:gs pos="100000">
+              <a:schemeClr val="bg2"/>
+            </a:gs>
+          </a:gsLst>
+          <a:lin ang="5400000" scaled="1"/>
+          <a:tileRect/>
+        </a:gradFill>
+        <a:effectLst/>
+      </p:bgPr>
+    </p:bg>
+    <p:spTree>
+      <p:nvGrpSpPr>
+        <p:cNvPr id="1" name=""/>
+        <p:cNvGrpSpPr/>
+        <p:nvPr/>
+      </p:nvGrpSpPr>
+      <p:grpSpPr>
+        <a:xfrm>
+          <a:off x="0" y="0"/>
+          <a:ext cx="0" cy="0"/>
+          <a:chOff x="0" y="0"/>
+          <a:chExt cx="0" cy="0"/>
+        </a:xfrm>
+      </p:grpSpPr>
+      <p:sp>
+        <p:nvSpPr>
+          <p:cNvPr id="8" name="Titel 7"/>
+          <p:cNvSpPr>
+            <a:spLocks noGrp="1"/>
+          </p:cNvSpPr>
+          <p:nvPr>
+            <p:ph type="title"/>
+          </p:nvPr>
+        </p:nvSpPr>
+        <p:spPr>
+          <a:xfrm>
+            <a:off x="838200" y="285750"/>
+            <a:ext cx="10515600" cy="828675"/>
+          </a:xfrm>
+        </p:spPr>
+        <p:txBody>
+          <a:bodyPr/>
+          <a:lstStyle/>
+          <a:p>
+            <a:pPr algn="ctr"/>
+            <a:r>
+              <a:rPr lang="de-DE" i="1" dirty="0" smtClean="0">
+                <a:solidFill>
+                  <a:schemeClr val="tx1">
+                    <a:lumMod val="65000"/>
+                    <a:lumOff val="35000"/>
+                  </a:schemeClr>
+                </a:solidFill>
+                <a:latin typeface="Fira Sans" panose="020B0503050000020004" pitchFamily="34" charset="0"/>
+                <a:ea typeface="Fira Sans" panose="020B0503050000020004" pitchFamily="34" charset="0"/>
+                <a:cs typeface="Verdana" panose="020B0604030504040204" pitchFamily="34" charset="0"/>
+              </a:rPr>
+              <a:t>WAS IST EIN BUSINESS PLAN?</a:t>
+            </a:r>
+            <a:endParaRPr lang="de-DE" i="1" dirty="0">
+              <a:solidFill>
+                <a:schemeClr val="tx1">
+                  <a:lumMod val="65000"/>
+                  <a:lumOff val="35000"/>
+                </a:schemeClr>
+              </a:solidFill>
+              <a:latin typeface="Fira Sans" panose="020B0503050000020004" pitchFamily="34" charset="0"/>
+              <a:ea typeface="Fira Sans" panose="020B0503050000020004" pitchFamily="34" charset="0"/>
+              <a:cs typeface="Verdana" panose="020B0604030504040204" pitchFamily="34" charset="0"/>
+            </a:endParaRPr>
+          </a:p>
+        </p:txBody>
+      </p:sp>
+      <p:sp>
+        <p:nvSpPr>
+          <p:cNvPr id="14" name="Inhaltsplatzhalter 13"/>
+          <p:cNvSpPr>
+            <a:spLocks noGrp="1"/>
+          </p:cNvSpPr>
+          <p:nvPr>
+            <p:ph idx="1"/>
+          </p:nvPr>
+        </p:nvSpPr>
+        <p:spPr>
+          <a:xfrm>
+            <a:off x="838200" y="1266824"/>
+            <a:ext cx="10515600" cy="5133975"/>
+          </a:xfrm>
+        </p:spPr>
+        <p:txBody>
+          <a:bodyPr>
+            <a:normAutofit/>
+          </a:bodyPr>
+          <a:lstStyle/>
+          <a:p>
+            <a:r>
+              <a:rPr lang="de-DE" sz="2400" dirty="0" smtClean="0">
+                <a:solidFill>
+                  <a:schemeClr val="bg1">
+                    <a:lumMod val="50000"/>
+                  </a:schemeClr>
+                </a:solidFill>
+                <a:latin typeface="Fira Sans" panose="020B0503050000020004" pitchFamily="34" charset="0"/>
+                <a:ea typeface="Fira Sans" panose="020B0503050000020004" pitchFamily="34" charset="0"/>
+                <a:cs typeface="Verdana" panose="020B0604030504040204" pitchFamily="34" charset="0"/>
+              </a:rPr>
+              <a:t>Zielsetzung</a:t>
+            </a:r>
+          </a:p>
+          <a:p>
+            <a:pPr lvl="1"/>
+            <a:r>
+              <a:rPr lang="de-DE" sz="2000" dirty="0" smtClean="0">
+                <a:solidFill>
+                  <a:schemeClr val="bg1">
+                    <a:lumMod val="65000"/>
+                  </a:schemeClr>
+                </a:solidFill>
+                <a:latin typeface="Fira Sans" panose="020B0503050000020004" pitchFamily="34" charset="0"/>
+                <a:ea typeface="Fira Sans" panose="020B0503050000020004" pitchFamily="34" charset="0"/>
+                <a:cs typeface="Verdana" panose="020B0604030504040204" pitchFamily="34" charset="0"/>
+              </a:rPr>
+              <a:t>Operative Ziele (&lt; 12 Monate)</a:t>
+            </a:r>
+          </a:p>
+          <a:p>
+            <a:pPr lvl="1"/>
+            <a:r>
+              <a:rPr lang="de-DE" sz="2000" dirty="0" smtClean="0">
+                <a:solidFill>
+                  <a:schemeClr val="bg1">
+                    <a:lumMod val="65000"/>
+                  </a:schemeClr>
+                </a:solidFill>
+                <a:latin typeface="Fira Sans" panose="020B0503050000020004" pitchFamily="34" charset="0"/>
+                <a:ea typeface="Fira Sans" panose="020B0503050000020004" pitchFamily="34" charset="0"/>
+                <a:cs typeface="Verdana" panose="020B0604030504040204" pitchFamily="34" charset="0"/>
+              </a:rPr>
+              <a:t>Strategische Ziele (&gt; 5 Jahre)</a:t>
+            </a:r>
+          </a:p>
+          <a:p>
+            <a:pPr lvl="1"/>
+            <a:endParaRPr lang="de-DE" dirty="0" smtClean="0">
+              <a:solidFill>
+                <a:schemeClr val="bg1">
+                  <a:lumMod val="50000"/>
+                </a:schemeClr>
+              </a:solidFill>
+              <a:latin typeface="Fira Sans" panose="020B0503050000020004" pitchFamily="34" charset="0"/>
+              <a:ea typeface="Fira Sans" panose="020B0503050000020004" pitchFamily="34" charset="0"/>
+              <a:cs typeface="Verdana" panose="020B0604030504040204" pitchFamily="34" charset="0"/>
+            </a:endParaRPr>
+          </a:p>
+          <a:p>
+            <a:r>
+              <a:rPr lang="de-DE" sz="2400" dirty="0" smtClean="0">
+                <a:solidFill>
+                  <a:schemeClr val="bg1">
+                    <a:lumMod val="50000"/>
+                  </a:schemeClr>
+                </a:solidFill>
+                <a:latin typeface="Fira Sans" panose="020B0503050000020004" pitchFamily="34" charset="0"/>
+                <a:ea typeface="Fira Sans" panose="020B0503050000020004" pitchFamily="34" charset="0"/>
+                <a:cs typeface="Verdana" panose="020B0604030504040204" pitchFamily="34" charset="0"/>
+              </a:rPr>
+              <a:t>Planung</a:t>
+            </a:r>
+          </a:p>
+          <a:p>
+            <a:pPr lvl="1"/>
+            <a:r>
+              <a:rPr lang="de-DE" sz="2000" dirty="0" smtClean="0">
+                <a:solidFill>
+                  <a:schemeClr val="bg1">
+                    <a:lumMod val="65000"/>
+                  </a:schemeClr>
+                </a:solidFill>
+                <a:latin typeface="Fira Sans" panose="020B0503050000020004" pitchFamily="34" charset="0"/>
+                <a:ea typeface="Fira Sans" panose="020B0503050000020004" pitchFamily="34" charset="0"/>
+                <a:cs typeface="Verdana" panose="020B0604030504040204" pitchFamily="34" charset="0"/>
+              </a:rPr>
+              <a:t>Operative Planung (&lt; 12 Monate)</a:t>
+            </a:r>
+          </a:p>
+          <a:p>
+            <a:pPr lvl="1"/>
+            <a:r>
+              <a:rPr lang="de-DE" sz="2000" dirty="0" smtClean="0">
+                <a:solidFill>
+                  <a:schemeClr val="bg1">
+                    <a:lumMod val="65000"/>
+                  </a:schemeClr>
+                </a:solidFill>
+                <a:latin typeface="Fira Sans" panose="020B0503050000020004" pitchFamily="34" charset="0"/>
+                <a:ea typeface="Fira Sans" panose="020B0503050000020004" pitchFamily="34" charset="0"/>
+                <a:cs typeface="Verdana" panose="020B0604030504040204" pitchFamily="34" charset="0"/>
+              </a:rPr>
+              <a:t>Strategische Planung (&gt; 12 Monate; oft 3 – 5 Jahre)</a:t>
+            </a:r>
+          </a:p>
+          <a:p>
+            <a:pPr lvl="1"/>
+            <a:endParaRPr lang="de-DE" dirty="0" smtClean="0">
+              <a:solidFill>
+                <a:schemeClr val="bg1">
+                  <a:lumMod val="50000"/>
+                </a:schemeClr>
+              </a:solidFill>
+              <a:latin typeface="Fira Sans" panose="020B0503050000020004" pitchFamily="34" charset="0"/>
+              <a:ea typeface="Fira Sans" panose="020B0503050000020004" pitchFamily="34" charset="0"/>
+              <a:cs typeface="Verdana" panose="020B0604030504040204" pitchFamily="34" charset="0"/>
+            </a:endParaRPr>
+          </a:p>
+          <a:p>
+            <a:r>
+              <a:rPr lang="de-DE" sz="2400" dirty="0" smtClean="0">
+                <a:solidFill>
+                  <a:schemeClr val="bg1">
+                    <a:lumMod val="50000"/>
+                  </a:schemeClr>
+                </a:solidFill>
+                <a:latin typeface="Fira Sans" panose="020B0503050000020004" pitchFamily="34" charset="0"/>
+                <a:ea typeface="Fira Sans" panose="020B0503050000020004" pitchFamily="34" charset="0"/>
+                <a:cs typeface="Verdana" panose="020B0604030504040204" pitchFamily="34" charset="0"/>
+              </a:rPr>
+              <a:t>Erfolgsabschätzung</a:t>
+            </a:r>
+          </a:p>
+          <a:p>
+            <a:pPr lvl="1"/>
+            <a:r>
+              <a:rPr lang="de-DE" sz="2000" dirty="0" smtClean="0">
+                <a:solidFill>
+                  <a:schemeClr val="bg1">
+                    <a:lumMod val="65000"/>
+                  </a:schemeClr>
+                </a:solidFill>
+                <a:latin typeface="Fira Sans" panose="020B0503050000020004" pitchFamily="34" charset="0"/>
+                <a:ea typeface="Fira Sans" panose="020B0503050000020004" pitchFamily="34" charset="0"/>
+                <a:cs typeface="Verdana" panose="020B0604030504040204" pitchFamily="34" charset="0"/>
+              </a:rPr>
+              <a:t>Kapitalbedarf</a:t>
+            </a:r>
+          </a:p>
+          <a:p>
+            <a:pPr lvl="1"/>
+            <a:r>
+              <a:rPr lang="de-DE" sz="2000" dirty="0" smtClean="0">
+                <a:solidFill>
+                  <a:schemeClr val="bg1">
+                    <a:lumMod val="65000"/>
+                  </a:schemeClr>
+                </a:solidFill>
+                <a:latin typeface="Fira Sans" panose="020B0503050000020004" pitchFamily="34" charset="0"/>
+                <a:ea typeface="Fira Sans" panose="020B0503050000020004" pitchFamily="34" charset="0"/>
+                <a:cs typeface="Verdana" panose="020B0604030504040204" pitchFamily="34" charset="0"/>
+              </a:rPr>
+              <a:t>Prognose</a:t>
+            </a:r>
+          </a:p>
+          <a:p>
+            <a:pPr lvl="1"/>
+            <a:r>
+              <a:rPr lang="de-DE" sz="2000" dirty="0" smtClean="0">
+                <a:solidFill>
+                  <a:schemeClr val="bg1">
+                    <a:lumMod val="65000"/>
+                  </a:schemeClr>
+                </a:solidFill>
+                <a:latin typeface="Fira Sans" panose="020B0503050000020004" pitchFamily="34" charset="0"/>
+                <a:ea typeface="Fira Sans" panose="020B0503050000020004" pitchFamily="34" charset="0"/>
+                <a:cs typeface="Verdana" panose="020B0604030504040204" pitchFamily="34" charset="0"/>
+              </a:rPr>
+              <a:t>Kapitalbeschaffung</a:t>
+            </a:r>
+          </a:p>
+          <a:p>
+            <a:pPr lvl="1"/>
+            <a:r>
+              <a:rPr lang="de-DE" sz="2000" dirty="0" smtClean="0">
+                <a:solidFill>
+                  <a:schemeClr val="bg1">
+                    <a:lumMod val="65000"/>
+                  </a:schemeClr>
+                </a:solidFill>
+                <a:latin typeface="Fira Sans" panose="020B0503050000020004" pitchFamily="34" charset="0"/>
+                <a:ea typeface="Fira Sans" panose="020B0503050000020004" pitchFamily="34" charset="0"/>
+                <a:cs typeface="Verdana" panose="020B0604030504040204" pitchFamily="34" charset="0"/>
+              </a:rPr>
+              <a:t>Qualitative &amp; quantitative Übersicht</a:t>
+            </a:r>
+            <a:endParaRPr lang="de-DE" sz="2000" dirty="0">
+              <a:solidFill>
+                <a:schemeClr val="bg1">
+                  <a:lumMod val="65000"/>
+                </a:schemeClr>
+              </a:solidFill>
+              <a:latin typeface="Fira Sans" panose="020B0503050000020004" pitchFamily="34" charset="0"/>
+              <a:ea typeface="Fira Sans" panose="020B0503050000020004" pitchFamily="34" charset="0"/>
+              <a:cs typeface="Verdana" panose="020B0604030504040204" pitchFamily="34" charset="0"/>
+            </a:endParaRPr>
+          </a:p>
+        </p:txBody>
+      </p:sp>
+    </p:spTree>
+    <p:extLst>
+      <p:ext uri="{BB962C8B-B14F-4D97-AF65-F5344CB8AC3E}">
+        <p14:creationId xmlns:p14="http://schemas.microsoft.com/office/powerpoint/2010/main" val="3553755748"/>
+      </p:ext>
+    </p:extLst>
+  </p:cSld>
+  <p:clrMapOvr>
+    <a:masterClrMapping/>
+  </p:clrMapOvr>
+  <p:timing>
+    <p:tnLst>
+      <p:par>
+        <p:cTn id="1" dur="indefinite" restart="never" nodeType="tmRoot"/>
+      </p:par>
+    </p:tnLst>
+  </p:timing>
+</p:sld>
+</file>
+
+<file path=ppt/slides/slide3.xml><?xml version="1.0" encoding="utf-8"?>
+<p:sld xmlns:a="http://schemas.openxmlformats.org/drawingml/2006/main" xmlns:r="http://schemas.openxmlformats.org/officeDocument/2006/relationships" xmlns:p="http://schemas.openxmlformats.org/presentationml/2006/main">
+  <p:cSld>
+    <p:bg>
+      <p:bgPr>
+        <a:gradFill flip="none" rotWithShape="1">
+          <a:gsLst>
+            <a:gs pos="0">
+              <a:schemeClr val="accent3">
+                <a:lumMod val="5000"/>
+                <a:lumOff val="95000"/>
+              </a:schemeClr>
+            </a:gs>
+            <a:gs pos="100000">
+              <a:schemeClr val="bg2"/>
+            </a:gs>
+          </a:gsLst>
+          <a:lin ang="5400000" scaled="1"/>
+          <a:tileRect/>
+        </a:gradFill>
+        <a:effectLst/>
+      </p:bgPr>
+    </p:bg>
+    <p:spTree>
+      <p:nvGrpSpPr>
+        <p:cNvPr id="1" name=""/>
+        <p:cNvGrpSpPr/>
+        <p:nvPr/>
+      </p:nvGrpSpPr>
+      <p:grpSpPr>
+        <a:xfrm>
+          <a:off x="0" y="0"/>
+          <a:ext cx="0" cy="0"/>
+          <a:chOff x="0" y="0"/>
+          <a:chExt cx="0" cy="0"/>
+        </a:xfrm>
+      </p:grpSpPr>
+      <p:sp>
+        <p:nvSpPr>
+          <p:cNvPr id="8" name="Titel 7"/>
+          <p:cNvSpPr>
+            <a:spLocks noGrp="1"/>
+          </p:cNvSpPr>
+          <p:nvPr>
+            <p:ph type="title"/>
+          </p:nvPr>
+        </p:nvSpPr>
+        <p:spPr>
+          <a:xfrm>
+            <a:off x="838200" y="2766219"/>
+            <a:ext cx="10515600" cy="1325563"/>
+          </a:xfrm>
+        </p:spPr>
+        <p:txBody>
+          <a:bodyPr/>
+          <a:lstStyle/>
+          <a:p>
+            <a:pPr algn="ctr"/>
+            <a:r>
+              <a:rPr lang="de-DE" i="1" dirty="0" smtClean="0">
+                <a:solidFill>
+                  <a:schemeClr val="tx1">
+                    <a:lumMod val="65000"/>
+                    <a:lumOff val="35000"/>
+                  </a:schemeClr>
+                </a:solidFill>
+                <a:latin typeface="Fira Sans" panose="020B0503050000020004" pitchFamily="34" charset="0"/>
+                <a:ea typeface="Fira Sans" panose="020B0503050000020004" pitchFamily="34" charset="0"/>
+                <a:cs typeface="Verdana" panose="020B0604030504040204" pitchFamily="34" charset="0"/>
+              </a:rPr>
+              <a:t>VIELEN DANK</a:t>
+            </a:r>
+            <a:endParaRPr lang="de-DE" i="1" dirty="0">
+              <a:solidFill>
+                <a:schemeClr val="tx1">
+                  <a:lumMod val="65000"/>
+                  <a:lumOff val="35000"/>
+                </a:schemeClr>
+              </a:solidFill>
+              <a:latin typeface="Fira Sans" panose="020B0503050000020004" pitchFamily="34" charset="0"/>
+              <a:ea typeface="Fira Sans" panose="020B0503050000020004" pitchFamily="34" charset="0"/>
+              <a:cs typeface="Verdana" panose="020B0604030504040204" pitchFamily="34" charset="0"/>
+            </a:endParaRPr>
+          </a:p>
+        </p:txBody>
+      </p:sp>
+      <p:sp>
+        <p:nvSpPr>
+          <p:cNvPr id="2" name="Textfeld 1"/>
+          <p:cNvSpPr txBox="1"/>
+          <p:nvPr/>
+        </p:nvSpPr>
+        <p:spPr>
+          <a:xfrm>
+            <a:off x="10615613" y="6515100"/>
+            <a:ext cx="1476374" cy="215444"/>
+          </a:xfrm>
+          <a:prstGeom prst="rect">
+            <a:avLst/>
+          </a:prstGeom>
+          <a:noFill/>
+        </p:spPr>
+        <p:txBody>
+          <a:bodyPr wrap="square" rtlCol="0">
+            <a:spAutoFit/>
+          </a:bodyPr>
+          <a:lstStyle/>
+          <a:p>
+            <a:pPr algn="r"/>
+            <a:r>
+              <a:rPr lang="de-DE" sz="800" i="1" dirty="0" smtClean="0">
+                <a:solidFill>
+                  <a:schemeClr val="tx1">
+                    <a:lumMod val="50000"/>
+                    <a:lumOff val="50000"/>
+                  </a:schemeClr>
+                </a:solidFill>
+                <a:latin typeface="Fira Sans" panose="020B0503050000020004" pitchFamily="34" charset="0"/>
+                <a:ea typeface="Fira Sans" panose="020B0503050000020004" pitchFamily="34" charset="0"/>
+                <a:cs typeface="Verdana" panose="020B0604030504040204" pitchFamily="34" charset="0"/>
+              </a:rPr>
+              <a:t>CHARLOTTE ZEEB</a:t>
+            </a:r>
+            <a:endParaRPr lang="de-DE" sz="800" i="1" dirty="0">
+              <a:solidFill>
+                <a:schemeClr val="tx1">
+                  <a:lumMod val="50000"/>
+                  <a:lumOff val="50000"/>
+                </a:schemeClr>
+              </a:solidFill>
+              <a:latin typeface="Fira Sans" panose="020B0503050000020004" pitchFamily="34" charset="0"/>
+              <a:ea typeface="Fira Sans" panose="020B0503050000020004" pitchFamily="34" charset="0"/>
+              <a:cs typeface="Verdana" panose="020B0604030504040204" pitchFamily="34" charset="0"/>
+            </a:endParaRPr>
+          </a:p>
+        </p:txBody>
+      </p:sp>
+    </p:spTree>
+    <p:extLst>
+      <p:ext uri="{BB962C8B-B14F-4D97-AF65-F5344CB8AC3E}">
+        <p14:creationId xmlns:p14="http://schemas.microsoft.com/office/powerpoint/2010/main" val="702848170"/>
       </p:ext>
     </p:extLst>
   </p:cSld>
@@ -3489,7 +3607,7 @@
 </file>
 
 <file path=ppt/theme/theme1.xml><?xml version="1.0" encoding="utf-8"?>
-<a:theme xmlns:a="http://schemas.openxmlformats.org/drawingml/2006/main" name="1_Office Theme">
+<a:theme xmlns:a="http://schemas.openxmlformats.org/drawingml/2006/main" name="Office Theme">
   <a:themeElements>
     <a:clrScheme name="Office">
       <a:dk1>
